--- a/PH450 Talk.pptx
+++ b/PH450 Talk.pptx
@@ -13464,7 +13464,16 @@
               <a:rPr lang="en-GB" sz="2400" dirty="0">
                 <a:latin typeface="Alegreya Sans" panose="00000500000000000000" pitchFamily="2" charset="0"/>
               </a:rPr>
-              <a:t>.ppt here on my GitHub –</a:t>
+              <a:t>.ppt here on my GitHub </a:t>
+            </a:r>
+            <a:r>
+              <a:rPr lang="en-GB" sz="2400" b="1" dirty="0">
+                <a:solidFill>
+                  <a:srgbClr val="568A31"/>
+                </a:solidFill>
+                <a:latin typeface="Alegreya Sans" panose="00000500000000000000" pitchFamily="2" charset="0"/>
+              </a:rPr>
+              <a:t>|</a:t>
             </a:r>
           </a:p>
           <a:p>
@@ -13472,12 +13481,13 @@
               <a:buNone/>
             </a:pPr>
             <a:r>
-              <a:rPr lang="en-GB" sz="2400" dirty="0" err="1">
+              <a:rPr lang="en-GB" sz="1600" dirty="0">
                 <a:latin typeface="Alegreya Sans" panose="00000500000000000000" pitchFamily="2" charset="0"/>
+                <a:hlinkClick r:id="rId5"/>
               </a:rPr>
-              <a:t>xxxxxx</a:t>
-            </a:r>
-            <a:endParaRPr lang="en-GB" sz="2400" dirty="0">
+              <a:t>https://github.com/lrussell676/Public_Yr_4_Files/blob/main/PH450%20Talk.pptx</a:t>
+            </a:r>
+            <a:endParaRPr lang="en-GB" sz="1600" dirty="0">
               <a:latin typeface="Alegreya Sans" panose="00000500000000000000" pitchFamily="2" charset="0"/>
             </a:endParaRPr>
           </a:p>
@@ -13578,11 +13588,11 @@
           <p:nvPr/>
         </p:nvPicPr>
         <p:blipFill rotWithShape="1">
-          <a:blip r:embed="rId5">
+          <a:blip r:embed="rId6">
             <a:extLst>
               <a:ext uri="{BEBA8EAE-BF5A-486C-A8C5-ECC9F3942E4B}">
                 <a14:imgProps xmlns:a14="http://schemas.microsoft.com/office/drawing/2010/main">
-                  <a14:imgLayer r:embed="rId6">
+                  <a14:imgLayer r:embed="rId7">
                     <a14:imgEffect>
                       <a14:backgroundRemoval t="1773" b="95745" l="1695" r="96949"/>
                     </a14:imgEffect>
@@ -13619,11 +13629,11 @@
           <p:nvPr/>
         </p:nvPicPr>
         <p:blipFill rotWithShape="1">
-          <a:blip r:embed="rId5">
+          <a:blip r:embed="rId6">
             <a:extLst>
               <a:ext uri="{BEBA8EAE-BF5A-486C-A8C5-ECC9F3942E4B}">
                 <a14:imgProps xmlns:a14="http://schemas.microsoft.com/office/drawing/2010/main">
-                  <a14:imgLayer r:embed="rId6">
+                  <a14:imgLayer r:embed="rId7">
                     <a14:imgEffect>
                       <a14:backgroundRemoval t="1773" b="95745" l="1695" r="96949"/>
                     </a14:imgEffect>
@@ -13660,11 +13670,11 @@
           <p:nvPr/>
         </p:nvPicPr>
         <p:blipFill rotWithShape="1">
-          <a:blip r:embed="rId5">
+          <a:blip r:embed="rId6">
             <a:extLst>
               <a:ext uri="{BEBA8EAE-BF5A-486C-A8C5-ECC9F3942E4B}">
                 <a14:imgProps xmlns:a14="http://schemas.microsoft.com/office/drawing/2010/main">
-                  <a14:imgLayer r:embed="rId6">
+                  <a14:imgLayer r:embed="rId7">
                     <a14:imgEffect>
                       <a14:backgroundRemoval t="1773" b="95745" l="1695" r="96949"/>
                     </a14:imgEffect>
@@ -13701,11 +13711,11 @@
           <p:nvPr/>
         </p:nvPicPr>
         <p:blipFill rotWithShape="1">
-          <a:blip r:embed="rId5">
+          <a:blip r:embed="rId6">
             <a:extLst>
               <a:ext uri="{BEBA8EAE-BF5A-486C-A8C5-ECC9F3942E4B}">
                 <a14:imgProps xmlns:a14="http://schemas.microsoft.com/office/drawing/2010/main">
-                  <a14:imgLayer r:embed="rId6">
+                  <a14:imgLayer r:embed="rId7">
                     <a14:imgEffect>
                       <a14:backgroundRemoval t="1773" b="95745" l="1695" r="96949"/>
                     </a14:imgEffect>
